--- a/Final-Design/Lorenz_Powerpoint.pptx
+++ b/Final-Design/Lorenz_Powerpoint.pptx
@@ -10,9 +10,8 @@
     <p:sldId id="258" r:id="rId4"/>
     <p:sldId id="259" r:id="rId5"/>
     <p:sldId id="260" r:id="rId6"/>
-    <p:sldId id="261" r:id="rId7"/>
-    <p:sldId id="262" r:id="rId8"/>
-    <p:sldId id="263" r:id="rId9"/>
+    <p:sldId id="262" r:id="rId7"/>
+    <p:sldId id="261" r:id="rId8"/>
   </p:sldIdLst>
   <p:sldSz cx="9144000" cy="6858000" type="screen4x3"/>
   <p:notesSz cx="6858000" cy="9144000"/>
@@ -3250,17 +3249,17 @@
           <a:effectLst/>
           <a:extLst>
             <a:ext uri="{FAA26D3D-D897-4be2-8F04-BA451C77F1D7}">
-              <ma14:placeholderFlag xmlns:ma14="http://schemas.microsoft.com/office/mac/drawingml/2011/main" xmlns="" val="1"/>
+              <ma14:placeholderFlag xmlns="" xmlns:ma14="http://schemas.microsoft.com/office/mac/drawingml/2011/main" val="1"/>
             </a:ext>
             <a:ext uri="{909E8E84-426E-40dd-AFC4-6F175D3DCCD1}">
-              <a14:hiddenFill xmlns:a14="http://schemas.microsoft.com/office/drawing/2010/main" xmlns="">
+              <a14:hiddenFill xmlns="" xmlns:a14="http://schemas.microsoft.com/office/drawing/2010/main">
                 <a:solidFill>
                   <a:schemeClr val="accent1"/>
                 </a:solidFill>
               </a14:hiddenFill>
             </a:ext>
             <a:ext uri="{91240B29-F687-4f45-9708-019B960494DF}">
-              <a14:hiddenLine xmlns:a14="http://schemas.microsoft.com/office/drawing/2010/main" xmlns="" w="9525">
+              <a14:hiddenLine xmlns="" xmlns:a14="http://schemas.microsoft.com/office/drawing/2010/main" w="9525">
                 <a:solidFill>
                   <a:schemeClr val="tx1"/>
                 </a:solidFill>
@@ -3270,7 +3269,7 @@
               </a14:hiddenLine>
             </a:ext>
             <a:ext uri="{AF507438-7753-43e0-B8FC-AC1667EBCBE1}">
-              <a14:hiddenEffects xmlns:a14="http://schemas.microsoft.com/office/drawing/2010/main" xmlns="">
+              <a14:hiddenEffects xmlns="" xmlns:a14="http://schemas.microsoft.com/office/drawing/2010/main">
                 <a:effectLst>
                   <a:outerShdw blurRad="63500" dist="38099" dir="2700000" algn="ctr" rotWithShape="0">
                     <a:schemeClr val="bg2">
@@ -3351,17 +3350,17 @@
           <a:effectLst/>
           <a:extLst>
             <a:ext uri="{FAA26D3D-D897-4be2-8F04-BA451C77F1D7}">
-              <ma14:placeholderFlag xmlns:ma14="http://schemas.microsoft.com/office/mac/drawingml/2011/main" xmlns="" val="1"/>
+              <ma14:placeholderFlag xmlns="" xmlns:ma14="http://schemas.microsoft.com/office/mac/drawingml/2011/main" val="1"/>
             </a:ext>
             <a:ext uri="{909E8E84-426E-40dd-AFC4-6F175D3DCCD1}">
-              <a14:hiddenFill xmlns:a14="http://schemas.microsoft.com/office/drawing/2010/main" xmlns="">
+              <a14:hiddenFill xmlns="" xmlns:a14="http://schemas.microsoft.com/office/drawing/2010/main">
                 <a:solidFill>
                   <a:schemeClr val="accent1"/>
                 </a:solidFill>
               </a14:hiddenFill>
             </a:ext>
             <a:ext uri="{91240B29-F687-4f45-9708-019B960494DF}">
-              <a14:hiddenLine xmlns:a14="http://schemas.microsoft.com/office/drawing/2010/main" xmlns="" w="9525">
+              <a14:hiddenLine xmlns="" xmlns:a14="http://schemas.microsoft.com/office/drawing/2010/main" w="9525">
                 <a:solidFill>
                   <a:schemeClr val="tx1"/>
                 </a:solidFill>
@@ -3371,7 +3370,7 @@
               </a14:hiddenLine>
             </a:ext>
             <a:ext uri="{AF507438-7753-43e0-B8FC-AC1667EBCBE1}">
-              <a14:hiddenEffects xmlns:a14="http://schemas.microsoft.com/office/drawing/2010/main" xmlns="">
+              <a14:hiddenEffects xmlns="" xmlns:a14="http://schemas.microsoft.com/office/drawing/2010/main">
                 <a:effectLst>
                   <a:outerShdw blurRad="63500" dist="38099" dir="2700000" algn="ctr" rotWithShape="0">
                     <a:schemeClr val="bg2">
@@ -3424,17 +3423,17 @@
           <a:effectLst/>
           <a:extLst>
             <a:ext uri="{FAA26D3D-D897-4be2-8F04-BA451C77F1D7}">
-              <ma14:placeholderFlag xmlns:ma14="http://schemas.microsoft.com/office/mac/drawingml/2011/main" xmlns="" val="1"/>
+              <ma14:placeholderFlag xmlns="" xmlns:ma14="http://schemas.microsoft.com/office/mac/drawingml/2011/main" val="1"/>
             </a:ext>
             <a:ext uri="{909E8E84-426E-40dd-AFC4-6F175D3DCCD1}">
-              <a14:hiddenFill xmlns:a14="http://schemas.microsoft.com/office/drawing/2010/main" xmlns="">
+              <a14:hiddenFill xmlns="" xmlns:a14="http://schemas.microsoft.com/office/drawing/2010/main">
                 <a:solidFill>
                   <a:schemeClr val="accent1"/>
                 </a:solidFill>
               </a14:hiddenFill>
             </a:ext>
             <a:ext uri="{91240B29-F687-4f45-9708-019B960494DF}">
-              <a14:hiddenLine xmlns:a14="http://schemas.microsoft.com/office/drawing/2010/main" xmlns="" w="9525">
+              <a14:hiddenLine xmlns="" xmlns:a14="http://schemas.microsoft.com/office/drawing/2010/main" w="9525">
                 <a:solidFill>
                   <a:schemeClr val="tx1"/>
                 </a:solidFill>
@@ -3444,7 +3443,7 @@
               </a14:hiddenLine>
             </a:ext>
             <a:ext uri="{AF507438-7753-43e0-B8FC-AC1667EBCBE1}">
-              <a14:hiddenEffects xmlns:a14="http://schemas.microsoft.com/office/drawing/2010/main" xmlns="">
+              <a14:hiddenEffects xmlns="" xmlns:a14="http://schemas.microsoft.com/office/drawing/2010/main">
                 <a:effectLst>
                   <a:outerShdw blurRad="63500" dist="38099" dir="2700000" algn="ctr" rotWithShape="0">
                     <a:schemeClr val="bg2">
@@ -3505,17 +3504,17 @@
           <a:effectLst/>
           <a:extLst>
             <a:ext uri="{FAA26D3D-D897-4be2-8F04-BA451C77F1D7}">
-              <ma14:placeholderFlag xmlns:ma14="http://schemas.microsoft.com/office/mac/drawingml/2011/main" xmlns="" val="1"/>
+              <ma14:placeholderFlag xmlns="" xmlns:ma14="http://schemas.microsoft.com/office/mac/drawingml/2011/main" val="1"/>
             </a:ext>
             <a:ext uri="{909E8E84-426E-40dd-AFC4-6F175D3DCCD1}">
-              <a14:hiddenFill xmlns:a14="http://schemas.microsoft.com/office/drawing/2010/main" xmlns="">
+              <a14:hiddenFill xmlns="" xmlns:a14="http://schemas.microsoft.com/office/drawing/2010/main">
                 <a:solidFill>
                   <a:schemeClr val="accent1"/>
                 </a:solidFill>
               </a14:hiddenFill>
             </a:ext>
             <a:ext uri="{91240B29-F687-4f45-9708-019B960494DF}">
-              <a14:hiddenLine xmlns:a14="http://schemas.microsoft.com/office/drawing/2010/main" xmlns="" w="9525">
+              <a14:hiddenLine xmlns="" xmlns:a14="http://schemas.microsoft.com/office/drawing/2010/main" w="9525">
                 <a:solidFill>
                   <a:schemeClr val="tx1"/>
                 </a:solidFill>
@@ -3525,7 +3524,7 @@
               </a14:hiddenLine>
             </a:ext>
             <a:ext uri="{AF507438-7753-43e0-B8FC-AC1667EBCBE1}">
-              <a14:hiddenEffects xmlns:a14="http://schemas.microsoft.com/office/drawing/2010/main" xmlns="">
+              <a14:hiddenEffects xmlns="" xmlns:a14="http://schemas.microsoft.com/office/drawing/2010/main">
                 <a:effectLst>
                   <a:outerShdw blurRad="63500" dist="38099" dir="2700000" algn="ctr" rotWithShape="0">
                     <a:schemeClr val="bg2">
@@ -3582,17 +3581,17 @@
           <a:effectLst/>
           <a:extLst>
             <a:ext uri="{FAA26D3D-D897-4be2-8F04-BA451C77F1D7}">
-              <ma14:placeholderFlag xmlns:ma14="http://schemas.microsoft.com/office/mac/drawingml/2011/main" xmlns="" val="1"/>
+              <ma14:placeholderFlag xmlns="" xmlns:ma14="http://schemas.microsoft.com/office/mac/drawingml/2011/main" val="1"/>
             </a:ext>
             <a:ext uri="{909E8E84-426E-40dd-AFC4-6F175D3DCCD1}">
-              <a14:hiddenFill xmlns:a14="http://schemas.microsoft.com/office/drawing/2010/main" xmlns="">
+              <a14:hiddenFill xmlns="" xmlns:a14="http://schemas.microsoft.com/office/drawing/2010/main">
                 <a:solidFill>
                   <a:schemeClr val="accent1"/>
                 </a:solidFill>
               </a14:hiddenFill>
             </a:ext>
             <a:ext uri="{91240B29-F687-4f45-9708-019B960494DF}">
-              <a14:hiddenLine xmlns:a14="http://schemas.microsoft.com/office/drawing/2010/main" xmlns="" w="9525">
+              <a14:hiddenLine xmlns="" xmlns:a14="http://schemas.microsoft.com/office/drawing/2010/main" w="9525">
                 <a:solidFill>
                   <a:schemeClr val="tx1"/>
                 </a:solidFill>
@@ -3602,7 +3601,7 @@
               </a14:hiddenLine>
             </a:ext>
             <a:ext uri="{AF507438-7753-43e0-B8FC-AC1667EBCBE1}">
-              <a14:hiddenEffects xmlns:a14="http://schemas.microsoft.com/office/drawing/2010/main" xmlns="">
+              <a14:hiddenEffects xmlns="" xmlns:a14="http://schemas.microsoft.com/office/drawing/2010/main">
                 <a:effectLst>
                   <a:outerShdw blurRad="63500" dist="38099" dir="2700000" algn="ctr" rotWithShape="0">
                     <a:schemeClr val="bg2">
@@ -4096,9 +4095,10 @@
           </a:p>
           <a:p>
             <a:r>
-              <a:rPr lang="en-US" dirty="0"/>
+              <a:rPr lang="en-US"/>
               <a:t>takemb1@unlv.nevada.edu</a:t>
             </a:r>
+            <a:endParaRPr lang="en-US" dirty="0"/>
           </a:p>
         </p:txBody>
       </p:sp>
@@ -4188,7 +4188,7 @@
             </a:pPr>
             <a:r>
               <a:rPr lang="en-US" dirty="0"/>
-              <a:t>Program the Atmega328 to solve a nonlinear ordinary equation (Lorenz Attractor)</a:t>
+              <a:t>Program the Atmega328 to solve a nonlinear ordinary differential equation (Lorenz Attractor)</a:t>
             </a:r>
           </a:p>
           <a:p>
@@ -4257,6 +4257,36 @@
           </a:p>
         </p:txBody>
       </p:sp>
+      <p:pic>
+        <p:nvPicPr>
+          <p:cNvPr id="5" name="Picture 4">
+            <a:extLst>
+              <a:ext uri="{FF2B5EF4-FFF2-40B4-BE49-F238E27FC236}">
+                <a16:creationId xmlns:a16="http://schemas.microsoft.com/office/drawing/2014/main" id="{ABC1D64B-92C7-41E7-B9E5-EE8479396204}"/>
+              </a:ext>
+            </a:extLst>
+          </p:cNvPr>
+          <p:cNvPicPr>
+            <a:picLocks noChangeAspect="1"/>
+          </p:cNvPicPr>
+          <p:nvPr/>
+        </p:nvPicPr>
+        <p:blipFill>
+          <a:blip r:embed="rId2"/>
+          <a:stretch>
+            <a:fillRect/>
+          </a:stretch>
+        </p:blipFill>
+        <p:spPr>
+          <a:xfrm>
+            <a:off x="4329113" y="1836247"/>
+            <a:ext cx="3485322" cy="1760198"/>
+          </a:xfrm>
+          <a:prstGeom prst="rect">
+            <a:avLst/>
+          </a:prstGeom>
+        </p:spPr>
+      </p:pic>
     </p:spTree>
     <p:extLst>
       <p:ext uri="{BB962C8B-B14F-4D97-AF65-F5344CB8AC3E}">
@@ -4588,12 +4618,28 @@
               <a:buAutoNum type="arabicPeriod"/>
             </a:pPr>
             <a:r>
-              <a:rPr lang="en-US" dirty="0" err="1"/>
-              <a:t>Init</a:t>
-            </a:r>
-            <a:r>
               <a:rPr lang="en-US" dirty="0"/>
-              <a:t> ..</a:t>
+              <a:t>X, Y, and Z variables</a:t>
+            </a:r>
+          </a:p>
+          <a:p>
+            <a:pPr marL="457200" indent="-457200">
+              <a:buFont typeface="+mj-lt"/>
+              <a:buAutoNum type="arabicPeriod"/>
+            </a:pPr>
+            <a:r>
+              <a:rPr lang="en-US" dirty="0"/>
+              <a:t>DX, DY, and DZ variables</a:t>
+            </a:r>
+          </a:p>
+          <a:p>
+            <a:pPr marL="457200" indent="-457200">
+              <a:buFont typeface="+mj-lt"/>
+              <a:buAutoNum type="arabicPeriod"/>
+            </a:pPr>
+            <a:r>
+              <a:rPr lang="en-US" dirty="0"/>
+              <a:t>I2C for MCP4725</a:t>
             </a:r>
           </a:p>
           <a:p>
@@ -4604,62 +4650,41 @@
             <a:endParaRPr lang="en-US" dirty="0"/>
           </a:p>
           <a:p>
-            <a:pPr>
-              <a:buFont typeface="Arial"/>
-              <a:buChar char="•"/>
-            </a:pPr>
+            <a:pPr marL="0" indent="0"/>
             <a:endParaRPr lang="en-US" dirty="0"/>
           </a:p>
-          <a:p>
-            <a:pPr>
-              <a:buFont typeface="Arial"/>
-              <a:buChar char="•"/>
-            </a:pPr>
-            <a:endParaRPr lang="en-US" dirty="0"/>
-          </a:p>
-          <a:p>
-            <a:pPr>
-              <a:buFont typeface="Arial"/>
-              <a:buChar char="•"/>
-            </a:pPr>
-            <a:r>
-              <a:rPr lang="en-US" dirty="0"/>
-              <a:t>Data Collection</a:t>
-            </a:r>
-          </a:p>
-          <a:p>
-            <a:pPr>
-              <a:buFont typeface="Arial"/>
-              <a:buChar char="•"/>
-            </a:pPr>
-            <a:endParaRPr lang="en-US" dirty="0"/>
-          </a:p>
-          <a:p>
-            <a:pPr>
-              <a:buFont typeface="Arial"/>
-              <a:buChar char="•"/>
-            </a:pPr>
-            <a:endParaRPr lang="en-US" dirty="0"/>
-          </a:p>
-          <a:p>
-            <a:pPr>
-              <a:buFont typeface="Arial"/>
-              <a:buChar char="•"/>
-            </a:pPr>
-            <a:endParaRPr lang="en-US" dirty="0"/>
-          </a:p>
-          <a:p>
-            <a:pPr>
-              <a:buFont typeface="Arial"/>
-              <a:buChar char="•"/>
-            </a:pPr>
-            <a:r>
-              <a:rPr lang="en-US" dirty="0"/>
-              <a:t>Networking/Visualization</a:t>
-            </a:r>
-          </a:p>
-        </p:txBody>
-      </p:sp>
+        </p:txBody>
+      </p:sp>
+      <p:pic>
+        <p:nvPicPr>
+          <p:cNvPr id="5" name="Picture 4">
+            <a:extLst>
+              <a:ext uri="{FF2B5EF4-FFF2-40B4-BE49-F238E27FC236}">
+                <a16:creationId xmlns:a16="http://schemas.microsoft.com/office/drawing/2014/main" id="{86E0F319-17ED-4908-B9EE-5197E33D9D66}"/>
+              </a:ext>
+            </a:extLst>
+          </p:cNvPr>
+          <p:cNvPicPr>
+            <a:picLocks noChangeAspect="1"/>
+          </p:cNvPicPr>
+          <p:nvPr/>
+        </p:nvPicPr>
+        <p:blipFill>
+          <a:blip r:embed="rId2"/>
+          <a:stretch>
+            <a:fillRect/>
+          </a:stretch>
+        </p:blipFill>
+        <p:spPr>
+          <a:xfrm>
+            <a:off x="3764255" y="2583552"/>
+            <a:ext cx="1615489" cy="3484650"/>
+          </a:xfrm>
+          <a:prstGeom prst="rect">
+            <a:avLst/>
+          </a:prstGeom>
+        </p:spPr>
+      </p:pic>
     </p:spTree>
     <p:extLst>
       <p:ext uri="{BB962C8B-B14F-4D97-AF65-F5344CB8AC3E}">
@@ -4710,7 +4735,7 @@
           <a:p>
             <a:r>
               <a:rPr lang="en-US" dirty="0"/>
-              <a:t>DEMO SNAPSHOT/VIDEO</a:t>
+              <a:t>CODE DEVELOPMENT</a:t>
             </a:r>
           </a:p>
         </p:txBody>
@@ -4730,17 +4755,111 @@
           <a:bodyPr/>
           <a:lstStyle/>
           <a:p>
+            <a:pPr>
+              <a:buFont typeface="Arial"/>
+              <a:buChar char="•"/>
+            </a:pPr>
             <a:r>
               <a:rPr lang="en-US" dirty="0"/>
-              <a:t>Just Provide Links </a:t>
-            </a:r>
-          </a:p>
-        </p:txBody>
-      </p:sp>
+              <a:t>Main loop</a:t>
+            </a:r>
+          </a:p>
+          <a:p>
+            <a:pPr marL="457200" indent="-457200">
+              <a:buFont typeface="+mj-lt"/>
+              <a:buAutoNum type="arabicPeriod"/>
+            </a:pPr>
+            <a:r>
+              <a:rPr lang="en-US" dirty="0"/>
+              <a:t>Solve for DX, DY, and DZ</a:t>
+            </a:r>
+          </a:p>
+          <a:p>
+            <a:pPr marL="457200" indent="-457200">
+              <a:buFont typeface="+mj-lt"/>
+              <a:buAutoNum type="arabicPeriod"/>
+            </a:pPr>
+            <a:r>
+              <a:rPr lang="en-US" dirty="0"/>
+              <a:t>Update change to X, Y, and Z</a:t>
+            </a:r>
+          </a:p>
+          <a:p>
+            <a:pPr marL="457200" indent="-457200">
+              <a:buFont typeface="+mj-lt"/>
+              <a:buAutoNum type="arabicPeriod"/>
+            </a:pPr>
+            <a:r>
+              <a:rPr lang="en-US" dirty="0"/>
+              <a:t>Convert floating-point to a binary number</a:t>
+            </a:r>
+          </a:p>
+          <a:p>
+            <a:pPr marL="457200" indent="-457200">
+              <a:buFont typeface="+mj-lt"/>
+              <a:buAutoNum type="arabicPeriod"/>
+            </a:pPr>
+            <a:r>
+              <a:rPr lang="en-US" dirty="0"/>
+              <a:t>Signal other Atmega328 that it’s ready</a:t>
+            </a:r>
+          </a:p>
+          <a:p>
+            <a:pPr marL="457200" indent="-457200">
+              <a:buFont typeface="+mj-lt"/>
+              <a:buAutoNum type="arabicPeriod"/>
+            </a:pPr>
+            <a:r>
+              <a:rPr lang="en-US" dirty="0"/>
+              <a:t>Wait for other Atmega328 to signal back</a:t>
+            </a:r>
+          </a:p>
+          <a:p>
+            <a:pPr marL="457200" indent="-457200">
+              <a:buFont typeface="+mj-lt"/>
+              <a:buAutoNum type="arabicPeriod"/>
+            </a:pPr>
+            <a:r>
+              <a:rPr lang="en-US" dirty="0"/>
+              <a:t>Output value to the MCP4725</a:t>
+            </a:r>
+          </a:p>
+        </p:txBody>
+      </p:sp>
+      <p:pic>
+        <p:nvPicPr>
+          <p:cNvPr id="6" name="Picture 5">
+            <a:extLst>
+              <a:ext uri="{FF2B5EF4-FFF2-40B4-BE49-F238E27FC236}">
+                <a16:creationId xmlns:a16="http://schemas.microsoft.com/office/drawing/2014/main" id="{AB7F1DE2-D0EE-4C52-AB8B-F182654499B6}"/>
+              </a:ext>
+            </a:extLst>
+          </p:cNvPr>
+          <p:cNvPicPr>
+            <a:picLocks noChangeAspect="1"/>
+          </p:cNvPicPr>
+          <p:nvPr/>
+        </p:nvPicPr>
+        <p:blipFill>
+          <a:blip r:embed="rId2"/>
+          <a:stretch>
+            <a:fillRect/>
+          </a:stretch>
+        </p:blipFill>
+        <p:spPr>
+          <a:xfrm>
+            <a:off x="6833980" y="1027405"/>
+            <a:ext cx="1609933" cy="4803189"/>
+          </a:xfrm>
+          <a:prstGeom prst="rect">
+            <a:avLst/>
+          </a:prstGeom>
+        </p:spPr>
+      </p:pic>
     </p:spTree>
     <p:extLst>
       <p:ext uri="{BB962C8B-B14F-4D97-AF65-F5344CB8AC3E}">
-        <p14:creationId xmlns:p14="http://schemas.microsoft.com/office/powerpoint/2010/main" val="3219099556"/>
+        <p14:creationId xmlns:p14="http://schemas.microsoft.com/office/powerpoint/2010/main" val="4278857631"/>
       </p:ext>
     </p:extLst>
   </p:cSld>
@@ -4787,7 +4906,7 @@
           <a:p>
             <a:r>
               <a:rPr lang="en-US" dirty="0"/>
-              <a:t>Group Projects</a:t>
+              <a:t>DEMO SNAPSHOT/VIDEO</a:t>
             </a:r>
           </a:p>
         </p:txBody>
@@ -4808,63 +4927,48 @@
           <a:lstStyle/>
           <a:p>
             <a:r>
-              <a:rPr lang="en-US" dirty="0"/>
-              <a:t>Student Name:</a:t>
-            </a:r>
-          </a:p>
-          <a:p>
-            <a:r>
-              <a:rPr lang="en-US" dirty="0"/>
-              <a:t>Task Completed:</a:t>
-            </a:r>
-          </a:p>
-          <a:p>
+              <a:rPr lang="en-US" dirty="0">
+                <a:hlinkClick r:id="rId2"/>
+              </a:rPr>
+              <a:t>https://youtu.be/JO0ZHgcQKNw</a:t>
+            </a:r>
             <a:endParaRPr lang="en-US" dirty="0"/>
           </a:p>
           <a:p>
+            <a:r>
+              <a:rPr lang="en-US" dirty="0">
+                <a:hlinkClick r:id="rId3"/>
+              </a:rPr>
+              <a:t>https://youtu.be/H1mcc7StECk</a:t>
+            </a:r>
             <a:endParaRPr lang="en-US" dirty="0"/>
           </a:p>
           <a:p>
+            <a:r>
+              <a:rPr lang="en-US" dirty="0">
+                <a:hlinkClick r:id="rId4"/>
+              </a:rPr>
+              <a:t>https://youtu.be/s76RwIs8h-8</a:t>
+            </a:r>
             <a:endParaRPr lang="en-US" dirty="0"/>
           </a:p>
           <a:p>
+            <a:r>
+              <a:rPr lang="en-US" dirty="0">
+                <a:hlinkClick r:id="rId5"/>
+              </a:rPr>
+              <a:t>https://youtu.be/EKD-3kn4Iw8</a:t>
+            </a:r>
             <a:endParaRPr lang="en-US" dirty="0"/>
           </a:p>
           <a:p>
             <a:r>
-              <a:rPr lang="en-US" dirty="0"/>
-              <a:t>Contribution % towards the project:</a:t>
-            </a:r>
-          </a:p>
-          <a:p>
-            <a:r>
-              <a:rPr lang="en-US" dirty="0"/>
-              <a:t>Coding (%):</a:t>
-            </a:r>
-          </a:p>
-          <a:p>
-            <a:r>
-              <a:rPr lang="en-US" dirty="0"/>
-              <a:t>Implementation (%):</a:t>
-            </a:r>
-          </a:p>
-          <a:p>
-            <a:r>
-              <a:rPr lang="en-US" dirty="0"/>
-              <a:t>Testing/Demo (%):</a:t>
-            </a:r>
-          </a:p>
-          <a:p>
-            <a:r>
-              <a:rPr lang="en-US" dirty="0"/>
-              <a:t>Documentation (%):</a:t>
-            </a:r>
-          </a:p>
-          <a:p>
-            <a:r>
-              <a:rPr lang="en-US" dirty="0"/>
-              <a:t>Presentation (%):</a:t>
-            </a:r>
+              <a:rPr lang="en-US" dirty="0">
+                <a:hlinkClick r:id="rId6"/>
+              </a:rPr>
+              <a:t>https://youtu.be/ubKsdY5YW7M</a:t>
+            </a:r>
+            <a:endParaRPr lang="en-US" dirty="0"/>
           </a:p>
           <a:p>
             <a:endParaRPr lang="en-US" dirty="0"/>
@@ -4874,141 +4978,7 @@
     </p:spTree>
     <p:extLst>
       <p:ext uri="{BB962C8B-B14F-4D97-AF65-F5344CB8AC3E}">
-        <p14:creationId xmlns:p14="http://schemas.microsoft.com/office/powerpoint/2010/main" val="67454161"/>
-      </p:ext>
-    </p:extLst>
-  </p:cSld>
-  <p:clrMapOvr>
-    <a:masterClrMapping/>
-  </p:clrMapOvr>
-  <p:transition spd="med">
-    <p:wipe dir="d"/>
-  </p:transition>
-</p:sld>
-</file>
-
-<file path=ppt/slides/slide8.xml><?xml version="1.0" encoding="utf-8"?>
-<p:sld xmlns:a="http://schemas.openxmlformats.org/drawingml/2006/main" xmlns:r="http://schemas.openxmlformats.org/officeDocument/2006/relationships" xmlns:p="http://schemas.openxmlformats.org/presentationml/2006/main">
-  <p:cSld>
-    <p:spTree>
-      <p:nvGrpSpPr>
-        <p:cNvPr id="1" name=""/>
-        <p:cNvGrpSpPr/>
-        <p:nvPr/>
-      </p:nvGrpSpPr>
-      <p:grpSpPr>
-        <a:xfrm>
-          <a:off x="0" y="0"/>
-          <a:ext cx="0" cy="0"/>
-          <a:chOff x="0" y="0"/>
-          <a:chExt cx="0" cy="0"/>
-        </a:xfrm>
-      </p:grpSpPr>
-      <p:sp>
-        <p:nvSpPr>
-          <p:cNvPr id="2" name="Title 1"/>
-          <p:cNvSpPr>
-            <a:spLocks noGrp="1"/>
-          </p:cNvSpPr>
-          <p:nvPr>
-            <p:ph type="title"/>
-          </p:nvPr>
-        </p:nvSpPr>
-        <p:spPr/>
-        <p:txBody>
-          <a:bodyPr/>
-          <a:lstStyle/>
-          <a:p>
-            <a:r>
-              <a:rPr lang="en-US" dirty="0"/>
-              <a:t>Group Projects</a:t>
-            </a:r>
-          </a:p>
-        </p:txBody>
-      </p:sp>
-      <p:sp>
-        <p:nvSpPr>
-          <p:cNvPr id="3" name="Content Placeholder 2"/>
-          <p:cNvSpPr>
-            <a:spLocks noGrp="1"/>
-          </p:cNvSpPr>
-          <p:nvPr>
-            <p:ph idx="1"/>
-          </p:nvPr>
-        </p:nvSpPr>
-        <p:spPr/>
-        <p:txBody>
-          <a:bodyPr/>
-          <a:lstStyle/>
-          <a:p>
-            <a:r>
-              <a:rPr lang="en-US" dirty="0"/>
-              <a:t>Student Name:</a:t>
-            </a:r>
-          </a:p>
-          <a:p>
-            <a:r>
-              <a:rPr lang="en-US" dirty="0"/>
-              <a:t>Task Completed:</a:t>
-            </a:r>
-          </a:p>
-          <a:p>
-            <a:endParaRPr lang="en-US" dirty="0"/>
-          </a:p>
-          <a:p>
-            <a:endParaRPr lang="en-US" dirty="0"/>
-          </a:p>
-          <a:p>
-            <a:endParaRPr lang="en-US" dirty="0"/>
-          </a:p>
-          <a:p>
-            <a:endParaRPr lang="en-US" dirty="0"/>
-          </a:p>
-          <a:p>
-            <a:r>
-              <a:rPr lang="en-US" dirty="0"/>
-              <a:t>Contribution % towards the project:</a:t>
-            </a:r>
-          </a:p>
-          <a:p>
-            <a:r>
-              <a:rPr lang="en-US" dirty="0"/>
-              <a:t>Coding (%):</a:t>
-            </a:r>
-          </a:p>
-          <a:p>
-            <a:r>
-              <a:rPr lang="en-US" dirty="0"/>
-              <a:t>Implementation (%):</a:t>
-            </a:r>
-          </a:p>
-          <a:p>
-            <a:r>
-              <a:rPr lang="en-US" dirty="0"/>
-              <a:t>Testing/Demo (%):</a:t>
-            </a:r>
-          </a:p>
-          <a:p>
-            <a:r>
-              <a:rPr lang="en-US" dirty="0"/>
-              <a:t>Documentation (%):</a:t>
-            </a:r>
-          </a:p>
-          <a:p>
-            <a:r>
-              <a:rPr lang="en-US" dirty="0"/>
-              <a:t>Presentation (%):</a:t>
-            </a:r>
-          </a:p>
-          <a:p>
-            <a:endParaRPr lang="en-US" dirty="0"/>
-          </a:p>
-        </p:txBody>
-      </p:sp>
-    </p:spTree>
-    <p:extLst>
-      <p:ext uri="{BB962C8B-B14F-4D97-AF65-F5344CB8AC3E}">
-        <p14:creationId xmlns:p14="http://schemas.microsoft.com/office/powerpoint/2010/main" val="570859314"/>
+        <p14:creationId xmlns:p14="http://schemas.microsoft.com/office/powerpoint/2010/main" val="3219099556"/>
       </p:ext>
     </p:extLst>
   </p:cSld>
